--- a/2024/2024-12-06-AI-Updates.pptx
+++ b/2024/2024-12-06-AI-Updates.pptx
@@ -14167,7 +14167,7 @@
             <a:tbl>
               <a:tblPr>
                 <a:noFill/>
-                <a:tableStyleId>{3860BFB7-83B3-481B-9177-EAFC3414EEEC}</a:tableStyleId>
+                <a:tableStyleId>{6E27F04E-DC58-4D7C-8670-FB98436D192F}</a:tableStyleId>
               </a:tblPr>
               <a:tblGrid>
                 <a:gridCol w="826600">
@@ -20657,7 +20657,31 @@
                 <a:cs typeface="Calibri"/>
                 <a:sym typeface="Calibri"/>
               </a:rPr>
-              <a:t> to provide communication/collaboration tools and services using AI. Zoom is now "AI-first company". Zoom introduced </a:t>
+              <a:t> to provide communication/collaboration tools and services using AI. Zoom is now "</a:t>
+            </a:r>
+            <a:r>
+              <a:rPr lang="en" sz="1300" b="1">
+                <a:solidFill>
+                  <a:srgbClr val="FF0000"/>
+                </a:solidFill>
+                <a:latin typeface="Calibri"/>
+                <a:ea typeface="Calibri"/>
+                <a:cs typeface="Calibri"/>
+                <a:sym typeface="Calibri"/>
+              </a:rPr>
+              <a:t>AI-first company</a:t>
+            </a:r>
+            <a:r>
+              <a:rPr lang="en" sz="1300">
+                <a:solidFill>
+                  <a:schemeClr val="dk1"/>
+                </a:solidFill>
+                <a:latin typeface="Calibri"/>
+                <a:ea typeface="Calibri"/>
+                <a:cs typeface="Calibri"/>
+                <a:sym typeface="Calibri"/>
+              </a:rPr>
+              <a:t>". Zoom introduced </a:t>
             </a:r>
             <a:r>
               <a:rPr lang="en" sz="1300" b="1">
@@ -21287,7 +21311,7 @@
         <p:spPr>
           <a:xfrm>
             <a:off x="55075" y="52750"/>
-            <a:ext cx="4483200" cy="326400"/>
+            <a:ext cx="1262100" cy="326400"/>
           </a:xfrm>
           <a:prstGeom prst="rect">
             <a:avLst/>
@@ -22034,6 +22058,18 @@
               <a:buChar char="●"/>
             </a:pPr>
             <a:r>
+              <a:rPr lang="en" sz="1200" b="1">
+                <a:solidFill>
+                  <a:srgbClr val="FF0000"/>
+                </a:solidFill>
+                <a:latin typeface="Calibri"/>
+                <a:ea typeface="Calibri"/>
+                <a:cs typeface="Calibri"/>
+                <a:sym typeface="Calibri"/>
+              </a:rPr>
+              <a:t>Discord</a:t>
+            </a:r>
+            <a:r>
               <a:rPr lang="en" sz="1200">
                 <a:solidFill>
                   <a:schemeClr val="dk1"/>
@@ -22043,7 +22079,7 @@
                 <a:cs typeface="Calibri"/>
                 <a:sym typeface="Calibri"/>
               </a:rPr>
-              <a:t>Discord was using Cassandra for storing trillions of messages - but faced  performance issues such as unpredictable latency and frequent on-call incidents. </a:t>
+              <a:t> was using Cassandra for storing trillions of messages - but faced  performance issues such as unpredictable latency and frequent on-call incidents. </a:t>
             </a:r>
             <a:endParaRPr sz="1200">
               <a:solidFill>
@@ -28982,7 +29018,7 @@
             <a:tbl>
               <a:tblPr>
                 <a:noFill/>
-                <a:tableStyleId>{3860BFB7-83B3-481B-9177-EAFC3414EEEC}</a:tableStyleId>
+                <a:tableStyleId>{6E27F04E-DC58-4D7C-8670-FB98436D192F}</a:tableStyleId>
               </a:tblPr>
               <a:tblGrid>
                 <a:gridCol w="837925">
